--- a/1.Metal/documentation/BIOS-MBR.pptx
+++ b/1.Metal/documentation/BIOS-MBR.pptx
@@ -6,6 +6,7 @@
   </p:sldMasterIdLst>
   <p:sldIdLst>
     <p:sldId id="256" r:id="rId2"/>
+    <p:sldId id="257" r:id="rId3"/>
   </p:sldIdLst>
   <p:sldSz cx="12192000" cy="6858000"/>
   <p:notesSz cx="6858000" cy="9144000"/>
@@ -3759,6 +3760,736 @@
 </p:sld>
 </file>
 
+<file path=ppt/slides/slide2.xml><?xml version="1.0" encoding="utf-8"?>
+<p:sld xmlns:a="http://schemas.openxmlformats.org/drawingml/2006/main" xmlns:r="http://schemas.openxmlformats.org/officeDocument/2006/relationships" xmlns:p="http://schemas.openxmlformats.org/presentationml/2006/main">
+  <p:cSld>
+    <p:spTree>
+      <p:nvGrpSpPr>
+        <p:cNvPr id="1" name=""/>
+        <p:cNvGrpSpPr/>
+        <p:nvPr/>
+      </p:nvGrpSpPr>
+      <p:grpSpPr>
+        <a:xfrm>
+          <a:off x="0" y="0"/>
+          <a:ext cx="0" cy="0"/>
+          <a:chOff x="0" y="0"/>
+          <a:chExt cx="0" cy="0"/>
+        </a:xfrm>
+      </p:grpSpPr>
+      <p:sp>
+        <p:nvSpPr>
+          <p:cNvPr id="4" name="Rectangle à coins arrondis 3">
+            <a:extLst>
+              <a:ext uri="{FF2B5EF4-FFF2-40B4-BE49-F238E27FC236}">
+                <a16:creationId xmlns:a16="http://schemas.microsoft.com/office/drawing/2014/main" id="{C4B67FFA-9C64-CB42-BECD-A17E712B949D}"/>
+              </a:ext>
+            </a:extLst>
+          </p:cNvPr>
+          <p:cNvSpPr/>
+          <p:nvPr/>
+        </p:nvSpPr>
+        <p:spPr>
+          <a:xfrm>
+            <a:off x="2199503" y="1223319"/>
+            <a:ext cx="7740000" cy="1080000"/>
+          </a:xfrm>
+          <a:prstGeom prst="roundRect">
+            <a:avLst/>
+          </a:prstGeom>
+          <a:gradFill flip="none" rotWithShape="1">
+            <a:gsLst>
+              <a:gs pos="0">
+                <a:srgbClr val="FF7E79">
+                  <a:shade val="30000"/>
+                  <a:satMod val="115000"/>
+                </a:srgbClr>
+              </a:gs>
+              <a:gs pos="50000">
+                <a:srgbClr val="FF7E79">
+                  <a:shade val="67500"/>
+                  <a:satMod val="115000"/>
+                </a:srgbClr>
+              </a:gs>
+              <a:gs pos="100000">
+                <a:srgbClr val="FF7E79">
+                  <a:shade val="100000"/>
+                  <a:satMod val="115000"/>
+                </a:srgbClr>
+              </a:gs>
+            </a:gsLst>
+            <a:lin ang="16200000" scaled="1"/>
+            <a:tileRect/>
+          </a:gradFill>
+          <a:ln>
+            <a:noFill/>
+          </a:ln>
+        </p:spPr>
+        <p:style>
+          <a:lnRef idx="0">
+            <a:schemeClr val="accent2"/>
+          </a:lnRef>
+          <a:fillRef idx="3">
+            <a:schemeClr val="accent2"/>
+          </a:fillRef>
+          <a:effectRef idx="3">
+            <a:schemeClr val="accent2"/>
+          </a:effectRef>
+          <a:fontRef idx="minor">
+            <a:schemeClr val="lt1"/>
+          </a:fontRef>
+        </p:style>
+        <p:txBody>
+          <a:bodyPr rtlCol="0" anchor="ctr"/>
+          <a:lstStyle/>
+          <a:p>
+            <a:pPr algn="ctr"/>
+            <a:r>
+              <a:rPr lang="fr-FR" sz="4400" dirty="0"/>
+              <a:t>Master Boot Record</a:t>
+            </a:r>
+          </a:p>
+        </p:txBody>
+      </p:sp>
+      <p:sp>
+        <p:nvSpPr>
+          <p:cNvPr id="5" name="Rectangle à coins arrondis 4">
+            <a:extLst>
+              <a:ext uri="{FF2B5EF4-FFF2-40B4-BE49-F238E27FC236}">
+                <a16:creationId xmlns:a16="http://schemas.microsoft.com/office/drawing/2014/main" id="{E39ABAD0-0A4F-AC41-8F64-AA0701A10A5D}"/>
+              </a:ext>
+            </a:extLst>
+          </p:cNvPr>
+          <p:cNvSpPr/>
+          <p:nvPr/>
+        </p:nvSpPr>
+        <p:spPr>
+          <a:xfrm>
+            <a:off x="2199502" y="2446637"/>
+            <a:ext cx="1334530" cy="1800000"/>
+          </a:xfrm>
+          <a:prstGeom prst="roundRect">
+            <a:avLst/>
+          </a:prstGeom>
+          <a:gradFill flip="none" rotWithShape="1">
+            <a:gsLst>
+              <a:gs pos="0">
+                <a:srgbClr val="9437FF">
+                  <a:tint val="66000"/>
+                  <a:satMod val="160000"/>
+                </a:srgbClr>
+              </a:gs>
+              <a:gs pos="50000">
+                <a:srgbClr val="9437FF">
+                  <a:tint val="44500"/>
+                  <a:satMod val="160000"/>
+                </a:srgbClr>
+              </a:gs>
+              <a:gs pos="100000">
+                <a:srgbClr val="9437FF">
+                  <a:tint val="23500"/>
+                  <a:satMod val="160000"/>
+                </a:srgbClr>
+              </a:gs>
+            </a:gsLst>
+            <a:lin ang="16200000" scaled="1"/>
+            <a:tileRect/>
+          </a:gradFill>
+          <a:ln>
+            <a:noFill/>
+          </a:ln>
+        </p:spPr>
+        <p:style>
+          <a:lnRef idx="2">
+            <a:schemeClr val="accent1">
+              <a:shade val="50000"/>
+            </a:schemeClr>
+          </a:lnRef>
+          <a:fillRef idx="1">
+            <a:schemeClr val="accent1"/>
+          </a:fillRef>
+          <a:effectRef idx="0">
+            <a:schemeClr val="accent1"/>
+          </a:effectRef>
+          <a:fontRef idx="minor">
+            <a:schemeClr val="lt1"/>
+          </a:fontRef>
+        </p:style>
+        <p:txBody>
+          <a:bodyPr rtlCol="0" anchor="ctr"/>
+          <a:lstStyle/>
+          <a:p>
+            <a:pPr algn="ctr"/>
+            <a:r>
+              <a:rPr lang="fr-FR" dirty="0" err="1">
+                <a:ln w="0"/>
+                <a:solidFill>
+                  <a:schemeClr val="bg1"/>
+                </a:solidFill>
+                <a:effectLst>
+                  <a:outerShdw blurRad="38100" dist="19050" dir="2700000" algn="tl" rotWithShape="0">
+                    <a:schemeClr val="dk1">
+                      <a:alpha val="40000"/>
+                    </a:schemeClr>
+                  </a:outerShdw>
+                </a:effectLst>
+              </a:rPr>
+              <a:t>Bootstrap</a:t>
+            </a:r>
+            <a:endParaRPr lang="fr-FR" dirty="0">
+              <a:ln w="0"/>
+              <a:solidFill>
+                <a:schemeClr val="bg1"/>
+              </a:solidFill>
+              <a:effectLst>
+                <a:outerShdw blurRad="38100" dist="19050" dir="2700000" algn="tl" rotWithShape="0">
+                  <a:schemeClr val="dk1">
+                    <a:alpha val="40000"/>
+                  </a:schemeClr>
+                </a:outerShdw>
+              </a:effectLst>
+            </a:endParaRPr>
+          </a:p>
+          <a:p>
+            <a:pPr algn="ctr"/>
+            <a:r>
+              <a:rPr lang="fr-FR" dirty="0">
+                <a:ln w="0"/>
+                <a:solidFill>
+                  <a:schemeClr val="bg1"/>
+                </a:solidFill>
+                <a:effectLst>
+                  <a:outerShdw blurRad="38100" dist="19050" dir="2700000" algn="tl" rotWithShape="0">
+                    <a:schemeClr val="dk1">
+                      <a:alpha val="40000"/>
+                    </a:schemeClr>
+                  </a:outerShdw>
+                </a:effectLst>
+              </a:rPr>
+              <a:t>Code</a:t>
+            </a:r>
+          </a:p>
+        </p:txBody>
+      </p:sp>
+      <p:sp>
+        <p:nvSpPr>
+          <p:cNvPr id="6" name="Rectangle à coins arrondis 5">
+            <a:extLst>
+              <a:ext uri="{FF2B5EF4-FFF2-40B4-BE49-F238E27FC236}">
+                <a16:creationId xmlns:a16="http://schemas.microsoft.com/office/drawing/2014/main" id="{B490210F-DDCC-624D-9E34-8D8A114AB063}"/>
+              </a:ext>
+            </a:extLst>
+          </p:cNvPr>
+          <p:cNvSpPr/>
+          <p:nvPr/>
+        </p:nvSpPr>
+        <p:spPr>
+          <a:xfrm>
+            <a:off x="3668369" y="2446636"/>
+            <a:ext cx="4906832" cy="540000"/>
+          </a:xfrm>
+          <a:prstGeom prst="roundRect">
+            <a:avLst/>
+          </a:prstGeom>
+          <a:gradFill flip="none" rotWithShape="1">
+            <a:gsLst>
+              <a:gs pos="0">
+                <a:srgbClr val="9437FF">
+                  <a:tint val="66000"/>
+                  <a:satMod val="160000"/>
+                </a:srgbClr>
+              </a:gs>
+              <a:gs pos="50000">
+                <a:srgbClr val="9437FF">
+                  <a:tint val="44500"/>
+                  <a:satMod val="160000"/>
+                </a:srgbClr>
+              </a:gs>
+              <a:gs pos="100000">
+                <a:srgbClr val="9437FF">
+                  <a:tint val="23500"/>
+                  <a:satMod val="160000"/>
+                </a:srgbClr>
+              </a:gs>
+            </a:gsLst>
+            <a:lin ang="16200000" scaled="1"/>
+            <a:tileRect/>
+          </a:gradFill>
+          <a:ln>
+            <a:noFill/>
+          </a:ln>
+        </p:spPr>
+        <p:style>
+          <a:lnRef idx="2">
+            <a:schemeClr val="accent1">
+              <a:shade val="50000"/>
+            </a:schemeClr>
+          </a:lnRef>
+          <a:fillRef idx="1">
+            <a:schemeClr val="accent1"/>
+          </a:fillRef>
+          <a:effectRef idx="0">
+            <a:schemeClr val="accent1"/>
+          </a:effectRef>
+          <a:fontRef idx="minor">
+            <a:schemeClr val="lt1"/>
+          </a:fontRef>
+        </p:style>
+        <p:txBody>
+          <a:bodyPr rtlCol="0" anchor="ctr"/>
+          <a:lstStyle/>
+          <a:p>
+            <a:pPr algn="ctr"/>
+            <a:r>
+              <a:rPr lang="fr-FR" dirty="0">
+                <a:ln w="0"/>
+                <a:solidFill>
+                  <a:schemeClr val="bg1"/>
+                </a:solidFill>
+                <a:effectLst>
+                  <a:outerShdw blurRad="38100" dist="19050" dir="2700000" algn="tl" rotWithShape="0">
+                    <a:schemeClr val="dk1">
+                      <a:alpha val="40000"/>
+                    </a:schemeClr>
+                  </a:outerShdw>
+                </a:effectLst>
+              </a:rPr>
+              <a:t>Partition Table</a:t>
+            </a:r>
+          </a:p>
+        </p:txBody>
+      </p:sp>
+      <p:sp>
+        <p:nvSpPr>
+          <p:cNvPr id="7" name="Rectangle à coins arrondis 6">
+            <a:extLst>
+              <a:ext uri="{FF2B5EF4-FFF2-40B4-BE49-F238E27FC236}">
+                <a16:creationId xmlns:a16="http://schemas.microsoft.com/office/drawing/2014/main" id="{5404B8EB-6F3A-D54E-A6BC-DBC6BC37A2E1}"/>
+              </a:ext>
+            </a:extLst>
+          </p:cNvPr>
+          <p:cNvSpPr/>
+          <p:nvPr/>
+        </p:nvSpPr>
+        <p:spPr>
+          <a:xfrm>
+            <a:off x="8701562" y="2446637"/>
+            <a:ext cx="1260000" cy="1800000"/>
+          </a:xfrm>
+          <a:prstGeom prst="roundRect">
+            <a:avLst/>
+          </a:prstGeom>
+          <a:gradFill flip="none" rotWithShape="1">
+            <a:gsLst>
+              <a:gs pos="0">
+                <a:srgbClr val="9437FF">
+                  <a:tint val="66000"/>
+                  <a:satMod val="160000"/>
+                </a:srgbClr>
+              </a:gs>
+              <a:gs pos="50000">
+                <a:srgbClr val="9437FF">
+                  <a:tint val="44500"/>
+                  <a:satMod val="160000"/>
+                </a:srgbClr>
+              </a:gs>
+              <a:gs pos="100000">
+                <a:srgbClr val="9437FF">
+                  <a:tint val="23500"/>
+                  <a:satMod val="160000"/>
+                </a:srgbClr>
+              </a:gs>
+            </a:gsLst>
+            <a:lin ang="16200000" scaled="1"/>
+            <a:tileRect/>
+          </a:gradFill>
+          <a:ln>
+            <a:noFill/>
+          </a:ln>
+        </p:spPr>
+        <p:style>
+          <a:lnRef idx="2">
+            <a:schemeClr val="accent1">
+              <a:shade val="50000"/>
+            </a:schemeClr>
+          </a:lnRef>
+          <a:fillRef idx="1">
+            <a:schemeClr val="accent1"/>
+          </a:fillRef>
+          <a:effectRef idx="0">
+            <a:schemeClr val="accent1"/>
+          </a:effectRef>
+          <a:fontRef idx="minor">
+            <a:schemeClr val="lt1"/>
+          </a:fontRef>
+        </p:style>
+        <p:txBody>
+          <a:bodyPr rtlCol="0" anchor="ctr"/>
+          <a:lstStyle/>
+          <a:p>
+            <a:pPr algn="ctr"/>
+            <a:r>
+              <a:rPr lang="fr-FR" dirty="0">
+                <a:ln w="0"/>
+                <a:solidFill>
+                  <a:schemeClr val="bg1"/>
+                </a:solidFill>
+                <a:effectLst>
+                  <a:outerShdw blurRad="38100" dist="19050" dir="2700000" algn="tl" rotWithShape="0">
+                    <a:schemeClr val="dk1">
+                      <a:alpha val="40000"/>
+                    </a:schemeClr>
+                  </a:outerShdw>
+                </a:effectLst>
+              </a:rPr>
+              <a:t>Boot Signature</a:t>
+            </a:r>
+          </a:p>
+          <a:p>
+            <a:pPr algn="ctr"/>
+            <a:r>
+              <a:rPr lang="fr-FR" dirty="0">
+                <a:ln w="0"/>
+                <a:solidFill>
+                  <a:schemeClr val="bg1"/>
+                </a:solidFill>
+                <a:effectLst>
+                  <a:outerShdw blurRad="38100" dist="19050" dir="2700000" algn="tl" rotWithShape="0">
+                    <a:schemeClr val="dk1">
+                      <a:alpha val="40000"/>
+                    </a:schemeClr>
+                  </a:outerShdw>
+                </a:effectLst>
+              </a:rPr>
+              <a:t>(ox55</a:t>
+            </a:r>
+          </a:p>
+          <a:p>
+            <a:pPr algn="ctr"/>
+            <a:r>
+              <a:rPr lang="fr-FR" dirty="0">
+                <a:ln w="0"/>
+                <a:solidFill>
+                  <a:schemeClr val="bg1"/>
+                </a:solidFill>
+                <a:effectLst>
+                  <a:outerShdw blurRad="38100" dist="19050" dir="2700000" algn="tl" rotWithShape="0">
+                    <a:schemeClr val="dk1">
+                      <a:alpha val="40000"/>
+                    </a:schemeClr>
+                  </a:outerShdw>
+                </a:effectLst>
+              </a:rPr>
+              <a:t>0xAA)</a:t>
+            </a:r>
+          </a:p>
+        </p:txBody>
+      </p:sp>
+      <p:sp>
+        <p:nvSpPr>
+          <p:cNvPr id="8" name="Rectangle à coins arrondis 7">
+            <a:extLst>
+              <a:ext uri="{FF2B5EF4-FFF2-40B4-BE49-F238E27FC236}">
+                <a16:creationId xmlns:a16="http://schemas.microsoft.com/office/drawing/2014/main" id="{66566397-EBA1-324A-9A2E-228521B8A03E}"/>
+              </a:ext>
+            </a:extLst>
+          </p:cNvPr>
+          <p:cNvSpPr/>
+          <p:nvPr/>
+        </p:nvSpPr>
+        <p:spPr>
+          <a:xfrm>
+            <a:off x="3638334" y="3120128"/>
+            <a:ext cx="1080000" cy="1080000"/>
+          </a:xfrm>
+          <a:prstGeom prst="roundRect">
+            <a:avLst/>
+          </a:prstGeom>
+          <a:gradFill flip="none" rotWithShape="1">
+            <a:gsLst>
+              <a:gs pos="0">
+                <a:srgbClr val="00B0F0">
+                  <a:tint val="66000"/>
+                  <a:satMod val="160000"/>
+                </a:srgbClr>
+              </a:gs>
+              <a:gs pos="50000">
+                <a:srgbClr val="00B0F0">
+                  <a:tint val="44500"/>
+                  <a:satMod val="160000"/>
+                </a:srgbClr>
+              </a:gs>
+              <a:gs pos="100000">
+                <a:srgbClr val="00B0F0">
+                  <a:tint val="23500"/>
+                  <a:satMod val="160000"/>
+                </a:srgbClr>
+              </a:gs>
+            </a:gsLst>
+            <a:lin ang="16200000" scaled="1"/>
+            <a:tileRect/>
+          </a:gradFill>
+        </p:spPr>
+        <p:style>
+          <a:lnRef idx="2">
+            <a:schemeClr val="accent1">
+              <a:shade val="50000"/>
+            </a:schemeClr>
+          </a:lnRef>
+          <a:fillRef idx="1">
+            <a:schemeClr val="accent1"/>
+          </a:fillRef>
+          <a:effectRef idx="0">
+            <a:schemeClr val="accent1"/>
+          </a:effectRef>
+          <a:fontRef idx="minor">
+            <a:schemeClr val="lt1"/>
+          </a:fontRef>
+        </p:style>
+        <p:txBody>
+          <a:bodyPr rtlCol="0" anchor="ctr"/>
+          <a:lstStyle/>
+          <a:p>
+            <a:pPr algn="ctr"/>
+            <a:r>
+              <a:rPr lang="fr-FR" sz="1400" dirty="0"/>
+              <a:t>Partition 1</a:t>
+            </a:r>
+          </a:p>
+        </p:txBody>
+      </p:sp>
+      <p:sp>
+        <p:nvSpPr>
+          <p:cNvPr id="10" name="Rectangle à coins arrondis 9">
+            <a:extLst>
+              <a:ext uri="{FF2B5EF4-FFF2-40B4-BE49-F238E27FC236}">
+                <a16:creationId xmlns:a16="http://schemas.microsoft.com/office/drawing/2014/main" id="{E0A7E8AA-4132-8148-B029-931E891FCD3F}"/>
+              </a:ext>
+            </a:extLst>
+          </p:cNvPr>
+          <p:cNvSpPr/>
+          <p:nvPr/>
+        </p:nvSpPr>
+        <p:spPr>
+          <a:xfrm>
+            <a:off x="4881536" y="3129953"/>
+            <a:ext cx="1080000" cy="1080000"/>
+          </a:xfrm>
+          <a:prstGeom prst="roundRect">
+            <a:avLst/>
+          </a:prstGeom>
+          <a:gradFill flip="none" rotWithShape="1">
+            <a:gsLst>
+              <a:gs pos="0">
+                <a:srgbClr val="00B0F0">
+                  <a:tint val="66000"/>
+                  <a:satMod val="160000"/>
+                </a:srgbClr>
+              </a:gs>
+              <a:gs pos="50000">
+                <a:srgbClr val="00B0F0">
+                  <a:tint val="44500"/>
+                  <a:satMod val="160000"/>
+                </a:srgbClr>
+              </a:gs>
+              <a:gs pos="100000">
+                <a:srgbClr val="00B0F0">
+                  <a:tint val="23500"/>
+                  <a:satMod val="160000"/>
+                </a:srgbClr>
+              </a:gs>
+            </a:gsLst>
+            <a:lin ang="16200000" scaled="1"/>
+            <a:tileRect/>
+          </a:gradFill>
+        </p:spPr>
+        <p:style>
+          <a:lnRef idx="2">
+            <a:schemeClr val="accent1">
+              <a:shade val="50000"/>
+            </a:schemeClr>
+          </a:lnRef>
+          <a:fillRef idx="1">
+            <a:schemeClr val="accent1"/>
+          </a:fillRef>
+          <a:effectRef idx="0">
+            <a:schemeClr val="accent1"/>
+          </a:effectRef>
+          <a:fontRef idx="minor">
+            <a:schemeClr val="lt1"/>
+          </a:fontRef>
+        </p:style>
+        <p:txBody>
+          <a:bodyPr rtlCol="0" anchor="ctr"/>
+          <a:lstStyle/>
+          <a:p>
+            <a:pPr algn="ctr"/>
+            <a:r>
+              <a:rPr lang="fr-FR" sz="1400" dirty="0"/>
+              <a:t>Partition 2</a:t>
+            </a:r>
+          </a:p>
+        </p:txBody>
+      </p:sp>
+      <p:sp>
+        <p:nvSpPr>
+          <p:cNvPr id="11" name="Rectangle à coins arrondis 10">
+            <a:extLst>
+              <a:ext uri="{FF2B5EF4-FFF2-40B4-BE49-F238E27FC236}">
+                <a16:creationId xmlns:a16="http://schemas.microsoft.com/office/drawing/2014/main" id="{EE25B02A-746A-F641-8804-1DB30B3E88A0}"/>
+              </a:ext>
+            </a:extLst>
+          </p:cNvPr>
+          <p:cNvSpPr/>
+          <p:nvPr/>
+        </p:nvSpPr>
+        <p:spPr>
+          <a:xfrm>
+            <a:off x="6181167" y="3129953"/>
+            <a:ext cx="1080000" cy="1080000"/>
+          </a:xfrm>
+          <a:prstGeom prst="roundRect">
+            <a:avLst/>
+          </a:prstGeom>
+          <a:gradFill flip="none" rotWithShape="1">
+            <a:gsLst>
+              <a:gs pos="0">
+                <a:srgbClr val="00B0F0">
+                  <a:tint val="66000"/>
+                  <a:satMod val="160000"/>
+                </a:srgbClr>
+              </a:gs>
+              <a:gs pos="50000">
+                <a:srgbClr val="00B0F0">
+                  <a:tint val="44500"/>
+                  <a:satMod val="160000"/>
+                </a:srgbClr>
+              </a:gs>
+              <a:gs pos="100000">
+                <a:srgbClr val="00B0F0">
+                  <a:tint val="23500"/>
+                  <a:satMod val="160000"/>
+                </a:srgbClr>
+              </a:gs>
+            </a:gsLst>
+            <a:lin ang="16200000" scaled="1"/>
+            <a:tileRect/>
+          </a:gradFill>
+        </p:spPr>
+        <p:style>
+          <a:lnRef idx="2">
+            <a:schemeClr val="accent1">
+              <a:shade val="50000"/>
+            </a:schemeClr>
+          </a:lnRef>
+          <a:fillRef idx="1">
+            <a:schemeClr val="accent1"/>
+          </a:fillRef>
+          <a:effectRef idx="0">
+            <a:schemeClr val="accent1"/>
+          </a:effectRef>
+          <a:fontRef idx="minor">
+            <a:schemeClr val="lt1"/>
+          </a:fontRef>
+        </p:style>
+        <p:txBody>
+          <a:bodyPr rtlCol="0" anchor="ctr"/>
+          <a:lstStyle/>
+          <a:p>
+            <a:pPr algn="ctr"/>
+            <a:r>
+              <a:rPr lang="fr-FR" sz="1400" dirty="0"/>
+              <a:t>Partition 3</a:t>
+            </a:r>
+          </a:p>
+        </p:txBody>
+      </p:sp>
+      <p:sp>
+        <p:nvSpPr>
+          <p:cNvPr id="12" name="Rectangle à coins arrondis 11">
+            <a:extLst>
+              <a:ext uri="{FF2B5EF4-FFF2-40B4-BE49-F238E27FC236}">
+                <a16:creationId xmlns:a16="http://schemas.microsoft.com/office/drawing/2014/main" id="{A1863C0E-0D0C-A54C-AC38-9131E2E3AE47}"/>
+              </a:ext>
+            </a:extLst>
+          </p:cNvPr>
+          <p:cNvSpPr/>
+          <p:nvPr/>
+        </p:nvSpPr>
+        <p:spPr>
+          <a:xfrm>
+            <a:off x="7495201" y="3118084"/>
+            <a:ext cx="1080000" cy="1080000"/>
+          </a:xfrm>
+          <a:prstGeom prst="roundRect">
+            <a:avLst/>
+          </a:prstGeom>
+          <a:gradFill flip="none" rotWithShape="1">
+            <a:gsLst>
+              <a:gs pos="0">
+                <a:srgbClr val="00B0F0">
+                  <a:tint val="66000"/>
+                  <a:satMod val="160000"/>
+                </a:srgbClr>
+              </a:gs>
+              <a:gs pos="50000">
+                <a:srgbClr val="00B0F0">
+                  <a:tint val="44500"/>
+                  <a:satMod val="160000"/>
+                </a:srgbClr>
+              </a:gs>
+              <a:gs pos="100000">
+                <a:srgbClr val="00B0F0">
+                  <a:tint val="23500"/>
+                  <a:satMod val="160000"/>
+                </a:srgbClr>
+              </a:gs>
+            </a:gsLst>
+            <a:lin ang="16200000" scaled="1"/>
+            <a:tileRect/>
+          </a:gradFill>
+        </p:spPr>
+        <p:style>
+          <a:lnRef idx="2">
+            <a:schemeClr val="accent1">
+              <a:shade val="50000"/>
+            </a:schemeClr>
+          </a:lnRef>
+          <a:fillRef idx="1">
+            <a:schemeClr val="accent1"/>
+          </a:fillRef>
+          <a:effectRef idx="0">
+            <a:schemeClr val="accent1"/>
+          </a:effectRef>
+          <a:fontRef idx="minor">
+            <a:schemeClr val="lt1"/>
+          </a:fontRef>
+        </p:style>
+        <p:txBody>
+          <a:bodyPr rtlCol="0" anchor="ctr"/>
+          <a:lstStyle/>
+          <a:p>
+            <a:pPr algn="ctr"/>
+            <a:r>
+              <a:rPr lang="fr-FR" sz="1400" dirty="0"/>
+              <a:t>Partition 4</a:t>
+            </a:r>
+          </a:p>
+        </p:txBody>
+      </p:sp>
+    </p:spTree>
+    <p:extLst>
+      <p:ext uri="{BB962C8B-B14F-4D97-AF65-F5344CB8AC3E}">
+        <p14:creationId xmlns:p14="http://schemas.microsoft.com/office/powerpoint/2010/main" val="195089696"/>
+      </p:ext>
+    </p:extLst>
+  </p:cSld>
+  <p:clrMapOvr>
+    <a:masterClrMapping/>
+  </p:clrMapOvr>
+</p:sld>
+</file>
+
 <file path=ppt/theme/theme1.xml><?xml version="1.0" encoding="utf-8"?>
 <a:theme xmlns:a="http://schemas.openxmlformats.org/drawingml/2006/main" name="Thème Office">
   <a:themeElements>

--- a/1.Metal/documentation/BIOS-MBR.pptx
+++ b/1.Metal/documentation/BIOS-MBR.pptx
@@ -7,6 +7,7 @@
   <p:sldIdLst>
     <p:sldId id="256" r:id="rId2"/>
     <p:sldId id="257" r:id="rId3"/>
+    <p:sldId id="258" r:id="rId4"/>
   </p:sldIdLst>
   <p:sldSz cx="12192000" cy="6858000"/>
   <p:notesSz cx="6858000" cy="9144000"/>
@@ -4490,6 +4491,441 @@
 </p:sld>
 </file>
 
+<file path=ppt/slides/slide3.xml><?xml version="1.0" encoding="utf-8"?>
+<p:sld xmlns:a="http://schemas.openxmlformats.org/drawingml/2006/main" xmlns:r="http://schemas.openxmlformats.org/officeDocument/2006/relationships" xmlns:p="http://schemas.openxmlformats.org/presentationml/2006/main">
+  <p:cSld>
+    <p:spTree>
+      <p:nvGrpSpPr>
+        <p:cNvPr id="1" name=""/>
+        <p:cNvGrpSpPr/>
+        <p:nvPr/>
+      </p:nvGrpSpPr>
+      <p:grpSpPr>
+        <a:xfrm>
+          <a:off x="0" y="0"/>
+          <a:ext cx="0" cy="0"/>
+          <a:chOff x="0" y="0"/>
+          <a:chExt cx="0" cy="0"/>
+        </a:xfrm>
+      </p:grpSpPr>
+      <p:sp>
+        <p:nvSpPr>
+          <p:cNvPr id="4" name="Rectangle à coins arrondis 3">
+            <a:extLst>
+              <a:ext uri="{FF2B5EF4-FFF2-40B4-BE49-F238E27FC236}">
+                <a16:creationId xmlns:a16="http://schemas.microsoft.com/office/drawing/2014/main" id="{FE18EBF6-57F2-D642-AF3B-DA4A6ABEDDA9}"/>
+              </a:ext>
+            </a:extLst>
+          </p:cNvPr>
+          <p:cNvSpPr/>
+          <p:nvPr/>
+        </p:nvSpPr>
+        <p:spPr>
+          <a:xfrm>
+            <a:off x="2927386" y="1272746"/>
+            <a:ext cx="6480000" cy="1080000"/>
+          </a:xfrm>
+          <a:prstGeom prst="roundRect">
+            <a:avLst/>
+          </a:prstGeom>
+          <a:gradFill flip="none" rotWithShape="1">
+            <a:gsLst>
+              <a:gs pos="0">
+                <a:srgbClr val="00B0F0">
+                  <a:tint val="66000"/>
+                  <a:satMod val="160000"/>
+                </a:srgbClr>
+              </a:gs>
+              <a:gs pos="50000">
+                <a:srgbClr val="00B0F0">
+                  <a:tint val="44500"/>
+                  <a:satMod val="160000"/>
+                </a:srgbClr>
+              </a:gs>
+              <a:gs pos="100000">
+                <a:srgbClr val="00B0F0">
+                  <a:tint val="23500"/>
+                  <a:satMod val="160000"/>
+                </a:srgbClr>
+              </a:gs>
+            </a:gsLst>
+            <a:lin ang="16200000" scaled="1"/>
+            <a:tileRect/>
+          </a:gradFill>
+          <a:ln>
+            <a:noFill/>
+          </a:ln>
+        </p:spPr>
+        <p:style>
+          <a:lnRef idx="0">
+            <a:schemeClr val="accent2"/>
+          </a:lnRef>
+          <a:fillRef idx="3">
+            <a:schemeClr val="accent2"/>
+          </a:fillRef>
+          <a:effectRef idx="3">
+            <a:schemeClr val="accent2"/>
+          </a:effectRef>
+          <a:fontRef idx="minor">
+            <a:schemeClr val="lt1"/>
+          </a:fontRef>
+        </p:style>
+        <p:txBody>
+          <a:bodyPr rtlCol="0" anchor="ctr"/>
+          <a:lstStyle/>
+          <a:p>
+            <a:pPr algn="ctr"/>
+            <a:r>
+              <a:rPr lang="fr-FR" sz="4400" dirty="0"/>
+              <a:t>Partition on Disk</a:t>
+            </a:r>
+          </a:p>
+        </p:txBody>
+      </p:sp>
+      <p:sp>
+        <p:nvSpPr>
+          <p:cNvPr id="12" name="Rectangle à coins arrondis 11">
+            <a:extLst>
+              <a:ext uri="{FF2B5EF4-FFF2-40B4-BE49-F238E27FC236}">
+                <a16:creationId xmlns:a16="http://schemas.microsoft.com/office/drawing/2014/main" id="{8D432AD3-0E45-3541-B498-882783098934}"/>
+              </a:ext>
+            </a:extLst>
+          </p:cNvPr>
+          <p:cNvSpPr/>
+          <p:nvPr/>
+        </p:nvSpPr>
+        <p:spPr>
+          <a:xfrm>
+            <a:off x="2927386" y="2469401"/>
+            <a:ext cx="1440000" cy="1440000"/>
+          </a:xfrm>
+          <a:prstGeom prst="roundRect">
+            <a:avLst/>
+          </a:prstGeom>
+          <a:gradFill flip="none" rotWithShape="1">
+            <a:gsLst>
+              <a:gs pos="0">
+                <a:srgbClr val="FF7E79">
+                  <a:shade val="30000"/>
+                  <a:satMod val="115000"/>
+                </a:srgbClr>
+              </a:gs>
+              <a:gs pos="50000">
+                <a:srgbClr val="FF7E79">
+                  <a:shade val="67500"/>
+                  <a:satMod val="115000"/>
+                </a:srgbClr>
+              </a:gs>
+              <a:gs pos="100000">
+                <a:srgbClr val="FF7E79">
+                  <a:shade val="100000"/>
+                  <a:satMod val="115000"/>
+                </a:srgbClr>
+              </a:gs>
+            </a:gsLst>
+            <a:lin ang="16200000" scaled="1"/>
+            <a:tileRect/>
+          </a:gradFill>
+          <a:ln>
+            <a:noFill/>
+          </a:ln>
+        </p:spPr>
+        <p:style>
+          <a:lnRef idx="0">
+            <a:schemeClr val="accent2"/>
+          </a:lnRef>
+          <a:fillRef idx="3">
+            <a:schemeClr val="accent2"/>
+          </a:fillRef>
+          <a:effectRef idx="3">
+            <a:schemeClr val="accent2"/>
+          </a:effectRef>
+          <a:fontRef idx="minor">
+            <a:schemeClr val="lt1"/>
+          </a:fontRef>
+        </p:style>
+        <p:txBody>
+          <a:bodyPr rtlCol="0" anchor="ctr"/>
+          <a:lstStyle/>
+          <a:p>
+            <a:pPr algn="ctr"/>
+            <a:r>
+              <a:rPr lang="fr-FR" sz="2400" dirty="0"/>
+              <a:t>JMP</a:t>
+            </a:r>
+          </a:p>
+        </p:txBody>
+      </p:sp>
+      <p:sp>
+        <p:nvSpPr>
+          <p:cNvPr id="13" name="Rectangle à coins arrondis 12">
+            <a:extLst>
+              <a:ext uri="{FF2B5EF4-FFF2-40B4-BE49-F238E27FC236}">
+                <a16:creationId xmlns:a16="http://schemas.microsoft.com/office/drawing/2014/main" id="{D58EA535-841A-634D-AD4A-841C06CF3EC1}"/>
+              </a:ext>
+            </a:extLst>
+          </p:cNvPr>
+          <p:cNvSpPr/>
+          <p:nvPr/>
+        </p:nvSpPr>
+        <p:spPr>
+          <a:xfrm>
+            <a:off x="4562304" y="2469401"/>
+            <a:ext cx="1440000" cy="1440000"/>
+          </a:xfrm>
+          <a:prstGeom prst="roundRect">
+            <a:avLst/>
+          </a:prstGeom>
+          <a:gradFill flip="none" rotWithShape="1">
+            <a:gsLst>
+              <a:gs pos="0">
+                <a:srgbClr val="FF7E79">
+                  <a:shade val="30000"/>
+                  <a:satMod val="115000"/>
+                </a:srgbClr>
+              </a:gs>
+              <a:gs pos="50000">
+                <a:srgbClr val="FF7E79">
+                  <a:shade val="67500"/>
+                  <a:satMod val="115000"/>
+                </a:srgbClr>
+              </a:gs>
+              <a:gs pos="100000">
+                <a:srgbClr val="FF7E79">
+                  <a:shade val="100000"/>
+                  <a:satMod val="115000"/>
+                </a:srgbClr>
+              </a:gs>
+            </a:gsLst>
+            <a:lin ang="16200000" scaled="1"/>
+            <a:tileRect/>
+          </a:gradFill>
+          <a:ln>
+            <a:noFill/>
+          </a:ln>
+        </p:spPr>
+        <p:style>
+          <a:lnRef idx="0">
+            <a:schemeClr val="accent2"/>
+          </a:lnRef>
+          <a:fillRef idx="3">
+            <a:schemeClr val="accent2"/>
+          </a:fillRef>
+          <a:effectRef idx="3">
+            <a:schemeClr val="accent2"/>
+          </a:effectRef>
+          <a:fontRef idx="minor">
+            <a:schemeClr val="lt1"/>
+          </a:fontRef>
+        </p:style>
+        <p:txBody>
+          <a:bodyPr rtlCol="0" anchor="ctr"/>
+          <a:lstStyle/>
+          <a:p>
+            <a:pPr algn="ctr"/>
+            <a:r>
+              <a:rPr lang="fr-FR" sz="2000" dirty="0" err="1"/>
+              <a:t>Filesystem</a:t>
+            </a:r>
+            <a:endParaRPr lang="fr-FR" sz="2000" dirty="0"/>
+          </a:p>
+          <a:p>
+            <a:pPr algn="ctr"/>
+            <a:r>
+              <a:rPr lang="fr-FR" sz="2000" dirty="0"/>
+              <a:t>Header</a:t>
+            </a:r>
+          </a:p>
+        </p:txBody>
+      </p:sp>
+      <p:sp>
+        <p:nvSpPr>
+          <p:cNvPr id="14" name="Rectangle à coins arrondis 13">
+            <a:extLst>
+              <a:ext uri="{FF2B5EF4-FFF2-40B4-BE49-F238E27FC236}">
+                <a16:creationId xmlns:a16="http://schemas.microsoft.com/office/drawing/2014/main" id="{DA88B389-9DAD-A847-B7B8-2C9C79528F48}"/>
+              </a:ext>
+            </a:extLst>
+          </p:cNvPr>
+          <p:cNvSpPr/>
+          <p:nvPr/>
+        </p:nvSpPr>
+        <p:spPr>
+          <a:xfrm>
+            <a:off x="6246650" y="2469401"/>
+            <a:ext cx="1440000" cy="1440000"/>
+          </a:xfrm>
+          <a:prstGeom prst="roundRect">
+            <a:avLst/>
+          </a:prstGeom>
+          <a:gradFill flip="none" rotWithShape="1">
+            <a:gsLst>
+              <a:gs pos="0">
+                <a:srgbClr val="FF7E79">
+                  <a:shade val="30000"/>
+                  <a:satMod val="115000"/>
+                </a:srgbClr>
+              </a:gs>
+              <a:gs pos="50000">
+                <a:srgbClr val="FF7E79">
+                  <a:shade val="67500"/>
+                  <a:satMod val="115000"/>
+                </a:srgbClr>
+              </a:gs>
+              <a:gs pos="100000">
+                <a:srgbClr val="FF7E79">
+                  <a:shade val="100000"/>
+                  <a:satMod val="115000"/>
+                </a:srgbClr>
+              </a:gs>
+            </a:gsLst>
+            <a:lin ang="16200000" scaled="1"/>
+            <a:tileRect/>
+          </a:gradFill>
+          <a:ln>
+            <a:noFill/>
+          </a:ln>
+        </p:spPr>
+        <p:style>
+          <a:lnRef idx="0">
+            <a:schemeClr val="accent2"/>
+          </a:lnRef>
+          <a:fillRef idx="3">
+            <a:schemeClr val="accent2"/>
+          </a:fillRef>
+          <a:effectRef idx="3">
+            <a:schemeClr val="accent2"/>
+          </a:effectRef>
+          <a:fontRef idx="minor">
+            <a:schemeClr val="lt1"/>
+          </a:fontRef>
+        </p:style>
+        <p:txBody>
+          <a:bodyPr rtlCol="0" anchor="ctr"/>
+          <a:lstStyle/>
+          <a:p>
+            <a:pPr algn="ctr"/>
+            <a:r>
+              <a:rPr lang="fr-FR" sz="2000" dirty="0" err="1"/>
+              <a:t>Bootstrap</a:t>
+            </a:r>
+            <a:endParaRPr lang="fr-FR" sz="2000" dirty="0"/>
+          </a:p>
+          <a:p>
+            <a:pPr algn="ctr"/>
+            <a:r>
+              <a:rPr lang="fr-FR" sz="2000" dirty="0"/>
+              <a:t>Code</a:t>
+            </a:r>
+          </a:p>
+        </p:txBody>
+      </p:sp>
+      <p:sp>
+        <p:nvSpPr>
+          <p:cNvPr id="15" name="Rectangle à coins arrondis 14">
+            <a:extLst>
+              <a:ext uri="{FF2B5EF4-FFF2-40B4-BE49-F238E27FC236}">
+                <a16:creationId xmlns:a16="http://schemas.microsoft.com/office/drawing/2014/main" id="{A06423BE-3246-1744-A860-595FD0E224C4}"/>
+              </a:ext>
+            </a:extLst>
+          </p:cNvPr>
+          <p:cNvSpPr/>
+          <p:nvPr/>
+        </p:nvSpPr>
+        <p:spPr>
+          <a:xfrm>
+            <a:off x="7927687" y="2469401"/>
+            <a:ext cx="1440000" cy="1440000"/>
+          </a:xfrm>
+          <a:prstGeom prst="roundRect">
+            <a:avLst/>
+          </a:prstGeom>
+          <a:gradFill flip="none" rotWithShape="1">
+            <a:gsLst>
+              <a:gs pos="0">
+                <a:srgbClr val="FF7E79">
+                  <a:shade val="30000"/>
+                  <a:satMod val="115000"/>
+                </a:srgbClr>
+              </a:gs>
+              <a:gs pos="50000">
+                <a:srgbClr val="FF7E79">
+                  <a:shade val="67500"/>
+                  <a:satMod val="115000"/>
+                </a:srgbClr>
+              </a:gs>
+              <a:gs pos="100000">
+                <a:srgbClr val="FF7E79">
+                  <a:shade val="100000"/>
+                  <a:satMod val="115000"/>
+                </a:srgbClr>
+              </a:gs>
+            </a:gsLst>
+            <a:lin ang="16200000" scaled="1"/>
+            <a:tileRect/>
+          </a:gradFill>
+          <a:ln>
+            <a:noFill/>
+          </a:ln>
+        </p:spPr>
+        <p:style>
+          <a:lnRef idx="0">
+            <a:schemeClr val="accent2"/>
+          </a:lnRef>
+          <a:fillRef idx="3">
+            <a:schemeClr val="accent2"/>
+          </a:fillRef>
+          <a:effectRef idx="3">
+            <a:schemeClr val="accent2"/>
+          </a:effectRef>
+          <a:fontRef idx="minor">
+            <a:schemeClr val="lt1"/>
+          </a:fontRef>
+        </p:style>
+        <p:txBody>
+          <a:bodyPr rtlCol="0" anchor="ctr"/>
+          <a:lstStyle/>
+          <a:p>
+            <a:pPr algn="ctr"/>
+            <a:r>
+              <a:rPr lang="fr-FR" sz="2000" dirty="0"/>
+              <a:t>End of </a:t>
+            </a:r>
+            <a:r>
+              <a:rPr lang="fr-FR" sz="2000" dirty="0" err="1"/>
+              <a:t>Sector</a:t>
+            </a:r>
+            <a:endParaRPr lang="fr-FR" sz="2000" dirty="0"/>
+          </a:p>
+          <a:p>
+            <a:pPr algn="ctr"/>
+            <a:r>
+              <a:rPr lang="fr-FR" sz="2000" dirty="0"/>
+              <a:t>(0x55</a:t>
+            </a:r>
+          </a:p>
+          <a:p>
+            <a:pPr algn="ctr"/>
+            <a:r>
+              <a:rPr lang="fr-FR" sz="2000" dirty="0"/>
+              <a:t>0x44)</a:t>
+            </a:r>
+          </a:p>
+        </p:txBody>
+      </p:sp>
+    </p:spTree>
+    <p:extLst>
+      <p:ext uri="{BB962C8B-B14F-4D97-AF65-F5344CB8AC3E}">
+        <p14:creationId xmlns:p14="http://schemas.microsoft.com/office/powerpoint/2010/main" val="2579822720"/>
+      </p:ext>
+    </p:extLst>
+  </p:cSld>
+  <p:clrMapOvr>
+    <a:masterClrMapping/>
+  </p:clrMapOvr>
+</p:sld>
+</file>
+
 <file path=ppt/theme/theme1.xml><?xml version="1.0" encoding="utf-8"?>
 <a:theme xmlns:a="http://schemas.openxmlformats.org/drawingml/2006/main" name="Thème Office">
   <a:themeElements>
